--- a/REsults.pptx
+++ b/REsults.pptx
@@ -8,6 +8,8 @@
     <p:sldId id="256" r:id="rId2"/>
     <p:sldId id="257" r:id="rId3"/>
     <p:sldId id="258" r:id="rId4"/>
+    <p:sldId id="259" r:id="rId5"/>
+    <p:sldId id="260" r:id="rId6"/>
   </p:sldIdLst>
   <p:sldSz cx="12192000" cy="6858000"/>
   <p:notesSz cx="6858000" cy="9144000"/>
@@ -106,6 +108,11 @@
       </a:defRPr>
     </a:lvl9pPr>
   </p:defaultTextStyle>
+  <p:extLst>
+    <p:ext uri="{EFAFB233-063F-42B5-8137-9DF3F51BA10A}">
+      <p15:sldGuideLst xmlns:p15="http://schemas.microsoft.com/office/powerpoint/2012/main"/>
+    </p:ext>
+  </p:extLst>
 </p:presentation>
 </file>
 
@@ -258,7 +265,7 @@
           <a:p>
             <a:fld id="{91802373-E2A4-4214-8D52-AAEBA38B6C24}" type="datetimeFigureOut">
               <a:rPr lang="en-SG" smtClean="0"/>
-              <a:t>9/3/2021</a:t>
+              <a:t>12/3/2021</a:t>
             </a:fld>
             <a:endParaRPr lang="en-SG"/>
           </a:p>
@@ -458,7 +465,7 @@
           <a:p>
             <a:fld id="{91802373-E2A4-4214-8D52-AAEBA38B6C24}" type="datetimeFigureOut">
               <a:rPr lang="en-SG" smtClean="0"/>
-              <a:t>9/3/2021</a:t>
+              <a:t>12/3/2021</a:t>
             </a:fld>
             <a:endParaRPr lang="en-SG"/>
           </a:p>
@@ -668,7 +675,7 @@
           <a:p>
             <a:fld id="{91802373-E2A4-4214-8D52-AAEBA38B6C24}" type="datetimeFigureOut">
               <a:rPr lang="en-SG" smtClean="0"/>
-              <a:t>9/3/2021</a:t>
+              <a:t>12/3/2021</a:t>
             </a:fld>
             <a:endParaRPr lang="en-SG"/>
           </a:p>
@@ -868,7 +875,7 @@
           <a:p>
             <a:fld id="{91802373-E2A4-4214-8D52-AAEBA38B6C24}" type="datetimeFigureOut">
               <a:rPr lang="en-SG" smtClean="0"/>
-              <a:t>9/3/2021</a:t>
+              <a:t>12/3/2021</a:t>
             </a:fld>
             <a:endParaRPr lang="en-SG"/>
           </a:p>
@@ -1144,7 +1151,7 @@
           <a:p>
             <a:fld id="{91802373-E2A4-4214-8D52-AAEBA38B6C24}" type="datetimeFigureOut">
               <a:rPr lang="en-SG" smtClean="0"/>
-              <a:t>9/3/2021</a:t>
+              <a:t>12/3/2021</a:t>
             </a:fld>
             <a:endParaRPr lang="en-SG"/>
           </a:p>
@@ -1412,7 +1419,7 @@
           <a:p>
             <a:fld id="{91802373-E2A4-4214-8D52-AAEBA38B6C24}" type="datetimeFigureOut">
               <a:rPr lang="en-SG" smtClean="0"/>
-              <a:t>9/3/2021</a:t>
+              <a:t>12/3/2021</a:t>
             </a:fld>
             <a:endParaRPr lang="en-SG"/>
           </a:p>
@@ -1827,7 +1834,7 @@
           <a:p>
             <a:fld id="{91802373-E2A4-4214-8D52-AAEBA38B6C24}" type="datetimeFigureOut">
               <a:rPr lang="en-SG" smtClean="0"/>
-              <a:t>9/3/2021</a:t>
+              <a:t>12/3/2021</a:t>
             </a:fld>
             <a:endParaRPr lang="en-SG"/>
           </a:p>
@@ -1969,7 +1976,7 @@
           <a:p>
             <a:fld id="{91802373-E2A4-4214-8D52-AAEBA38B6C24}" type="datetimeFigureOut">
               <a:rPr lang="en-SG" smtClean="0"/>
-              <a:t>9/3/2021</a:t>
+              <a:t>12/3/2021</a:t>
             </a:fld>
             <a:endParaRPr lang="en-SG"/>
           </a:p>
@@ -2082,7 +2089,7 @@
           <a:p>
             <a:fld id="{91802373-E2A4-4214-8D52-AAEBA38B6C24}" type="datetimeFigureOut">
               <a:rPr lang="en-SG" smtClean="0"/>
-              <a:t>9/3/2021</a:t>
+              <a:t>12/3/2021</a:t>
             </a:fld>
             <a:endParaRPr lang="en-SG"/>
           </a:p>
@@ -2395,7 +2402,7 @@
           <a:p>
             <a:fld id="{91802373-E2A4-4214-8D52-AAEBA38B6C24}" type="datetimeFigureOut">
               <a:rPr lang="en-SG" smtClean="0"/>
-              <a:t>9/3/2021</a:t>
+              <a:t>12/3/2021</a:t>
             </a:fld>
             <a:endParaRPr lang="en-SG"/>
           </a:p>
@@ -2684,7 +2691,7 @@
           <a:p>
             <a:fld id="{91802373-E2A4-4214-8D52-AAEBA38B6C24}" type="datetimeFigureOut">
               <a:rPr lang="en-SG" smtClean="0"/>
-              <a:t>9/3/2021</a:t>
+              <a:t>12/3/2021</a:t>
             </a:fld>
             <a:endParaRPr lang="en-SG"/>
           </a:p>
@@ -2927,7 +2934,7 @@
           <a:p>
             <a:fld id="{91802373-E2A4-4214-8D52-AAEBA38B6C24}" type="datetimeFigureOut">
               <a:rPr lang="en-SG" smtClean="0"/>
-              <a:t>9/3/2021</a:t>
+              <a:t>12/3/2021</a:t>
             </a:fld>
             <a:endParaRPr lang="en-SG"/>
           </a:p>
@@ -3617,6 +3624,305 @@
 </p:sld>
 </file>
 
+<file path=ppt/slides/slide4.xml><?xml version="1.0" encoding="utf-8"?>
+<p:sld xmlns:a="http://schemas.openxmlformats.org/drawingml/2006/main" xmlns:r="http://schemas.openxmlformats.org/officeDocument/2006/relationships" xmlns:p="http://schemas.openxmlformats.org/presentationml/2006/main">
+  <p:cSld>
+    <p:spTree>
+      <p:nvGrpSpPr>
+        <p:cNvPr id="1" name=""/>
+        <p:cNvGrpSpPr/>
+        <p:nvPr/>
+      </p:nvGrpSpPr>
+      <p:grpSpPr>
+        <a:xfrm>
+          <a:off x="0" y="0"/>
+          <a:ext cx="0" cy="0"/>
+          <a:chOff x="0" y="0"/>
+          <a:chExt cx="0" cy="0"/>
+        </a:xfrm>
+      </p:grpSpPr>
+      <p:sp>
+        <p:nvSpPr>
+          <p:cNvPr id="2" name="Title 1">
+            <a:extLst>
+              <a:ext uri="{FF2B5EF4-FFF2-40B4-BE49-F238E27FC236}">
+                <a16:creationId xmlns:a16="http://schemas.microsoft.com/office/drawing/2014/main" id="{AB471DFF-1539-41FE-A800-121BCE7DD671}"/>
+              </a:ext>
+            </a:extLst>
+          </p:cNvPr>
+          <p:cNvSpPr>
+            <a:spLocks noGrp="1"/>
+          </p:cNvSpPr>
+          <p:nvPr>
+            <p:ph type="title"/>
+          </p:nvPr>
+        </p:nvSpPr>
+        <p:spPr>
+          <a:xfrm>
+            <a:off x="838200" y="365125"/>
+            <a:ext cx="10515600" cy="2272058"/>
+          </a:xfrm>
+        </p:spPr>
+        <p:txBody>
+          <a:bodyPr>
+            <a:normAutofit/>
+          </a:bodyPr>
+          <a:lstStyle/>
+          <a:p>
+            <a:r>
+              <a:rPr lang="en-US" dirty="0"/>
+              <a:t>Res18 with 4 classes</a:t>
+            </a:r>
+            <a:br>
+              <a:rPr lang="en-US" dirty="0"/>
+            </a:br>
+            <a:r>
+              <a:rPr lang="en-US" dirty="0"/>
+              <a:t>left 1100</a:t>
+            </a:r>
+            <a:br>
+              <a:rPr lang="en-US" dirty="0"/>
+            </a:br>
+            <a:r>
+              <a:rPr lang="en-US" dirty="0"/>
+              <a:t>right 200:1100</a:t>
+            </a:r>
+            <a:endParaRPr lang="en-SG" dirty="0"/>
+          </a:p>
+        </p:txBody>
+      </p:sp>
+      <p:pic>
+        <p:nvPicPr>
+          <p:cNvPr id="5" name="Content Placeholder 4">
+            <a:extLst>
+              <a:ext uri="{FF2B5EF4-FFF2-40B4-BE49-F238E27FC236}">
+                <a16:creationId xmlns:a16="http://schemas.microsoft.com/office/drawing/2014/main" id="{75B7B125-732E-4A14-98BF-0FC2399D3211}"/>
+              </a:ext>
+            </a:extLst>
+          </p:cNvPr>
+          <p:cNvPicPr>
+            <a:picLocks noGrp="1" noChangeAspect="1"/>
+          </p:cNvPicPr>
+          <p:nvPr>
+            <p:ph idx="1"/>
+          </p:nvPr>
+        </p:nvPicPr>
+        <p:blipFill>
+          <a:blip r:embed="rId2"/>
+          <a:stretch>
+            <a:fillRect/>
+          </a:stretch>
+        </p:blipFill>
+        <p:spPr>
+          <a:xfrm>
+            <a:off x="5546445" y="116125"/>
+            <a:ext cx="2722911" cy="6625750"/>
+          </a:xfrm>
+        </p:spPr>
+      </p:pic>
+      <p:pic>
+        <p:nvPicPr>
+          <p:cNvPr id="7" name="Picture 6">
+            <a:extLst>
+              <a:ext uri="{FF2B5EF4-FFF2-40B4-BE49-F238E27FC236}">
+                <a16:creationId xmlns:a16="http://schemas.microsoft.com/office/drawing/2014/main" id="{E6668955-5DA7-42B7-B711-43C47B6B70C4}"/>
+              </a:ext>
+            </a:extLst>
+          </p:cNvPr>
+          <p:cNvPicPr>
+            <a:picLocks noChangeAspect="1"/>
+          </p:cNvPicPr>
+          <p:nvPr/>
+        </p:nvPicPr>
+        <p:blipFill>
+          <a:blip r:embed="rId3"/>
+          <a:stretch>
+            <a:fillRect/>
+          </a:stretch>
+        </p:blipFill>
+        <p:spPr>
+          <a:xfrm>
+            <a:off x="8496026" y="116125"/>
+            <a:ext cx="2722911" cy="6531746"/>
+          </a:xfrm>
+          <a:prstGeom prst="rect">
+            <a:avLst/>
+          </a:prstGeom>
+        </p:spPr>
+      </p:pic>
+    </p:spTree>
+    <p:extLst>
+      <p:ext uri="{BB962C8B-B14F-4D97-AF65-F5344CB8AC3E}">
+        <p14:creationId xmlns:p14="http://schemas.microsoft.com/office/powerpoint/2010/main" val="4023113290"/>
+      </p:ext>
+    </p:extLst>
+  </p:cSld>
+  <p:clrMapOvr>
+    <a:masterClrMapping/>
+  </p:clrMapOvr>
+</p:sld>
+</file>
+
+<file path=ppt/slides/slide5.xml><?xml version="1.0" encoding="utf-8"?>
+<p:sld xmlns:a="http://schemas.openxmlformats.org/drawingml/2006/main" xmlns:r="http://schemas.openxmlformats.org/officeDocument/2006/relationships" xmlns:p="http://schemas.openxmlformats.org/presentationml/2006/main">
+  <p:cSld>
+    <p:spTree>
+      <p:nvGrpSpPr>
+        <p:cNvPr id="1" name=""/>
+        <p:cNvGrpSpPr/>
+        <p:nvPr/>
+      </p:nvGrpSpPr>
+      <p:grpSpPr>
+        <a:xfrm>
+          <a:off x="0" y="0"/>
+          <a:ext cx="0" cy="0"/>
+          <a:chOff x="0" y="0"/>
+          <a:chExt cx="0" cy="0"/>
+        </a:xfrm>
+      </p:grpSpPr>
+      <p:sp>
+        <p:nvSpPr>
+          <p:cNvPr id="2" name="Title 1">
+            <a:extLst>
+              <a:ext uri="{FF2B5EF4-FFF2-40B4-BE49-F238E27FC236}">
+                <a16:creationId xmlns:a16="http://schemas.microsoft.com/office/drawing/2014/main" id="{34B26EE9-7F7D-4D94-8646-921AF6D0918B}"/>
+              </a:ext>
+            </a:extLst>
+          </p:cNvPr>
+          <p:cNvSpPr>
+            <a:spLocks noGrp="1"/>
+          </p:cNvSpPr>
+          <p:nvPr>
+            <p:ph type="title"/>
+          </p:nvPr>
+        </p:nvSpPr>
+        <p:spPr/>
+        <p:txBody>
+          <a:bodyPr>
+            <a:normAutofit fontScale="90000"/>
+          </a:bodyPr>
+          <a:lstStyle/>
+          <a:p>
+            <a:r>
+              <a:rPr lang="en-US" dirty="0"/>
+              <a:t>Res18 250:1100</a:t>
+            </a:r>
+            <a:br>
+              <a:rPr lang="en-US" dirty="0"/>
+            </a:br>
+            <a:r>
+              <a:rPr lang="en-US" dirty="0"/>
+              <a:t>left batch:5</a:t>
+            </a:r>
+            <a:br>
+              <a:rPr lang="en-US" dirty="0"/>
+            </a:br>
+            <a:r>
+              <a:rPr lang="en-US" dirty="0"/>
+              <a:t>right batch:10</a:t>
+            </a:r>
+            <a:endParaRPr lang="en-SG" dirty="0"/>
+          </a:p>
+        </p:txBody>
+      </p:sp>
+      <p:sp>
+        <p:nvSpPr>
+          <p:cNvPr id="3" name="Content Placeholder 2">
+            <a:extLst>
+              <a:ext uri="{FF2B5EF4-FFF2-40B4-BE49-F238E27FC236}">
+                <a16:creationId xmlns:a16="http://schemas.microsoft.com/office/drawing/2014/main" id="{1E35E29D-7295-4AA0-8109-959324BE716C}"/>
+              </a:ext>
+            </a:extLst>
+          </p:cNvPr>
+          <p:cNvSpPr>
+            <a:spLocks noGrp="1"/>
+          </p:cNvSpPr>
+          <p:nvPr>
+            <p:ph idx="1"/>
+          </p:nvPr>
+        </p:nvSpPr>
+        <p:spPr/>
+        <p:txBody>
+          <a:bodyPr/>
+          <a:lstStyle/>
+          <a:p>
+            <a:endParaRPr lang="en-SG"/>
+          </a:p>
+        </p:txBody>
+      </p:sp>
+      <p:pic>
+        <p:nvPicPr>
+          <p:cNvPr id="5" name="Picture 4">
+            <a:extLst>
+              <a:ext uri="{FF2B5EF4-FFF2-40B4-BE49-F238E27FC236}">
+                <a16:creationId xmlns:a16="http://schemas.microsoft.com/office/drawing/2014/main" id="{17CF8F20-8923-4AB9-8813-8029E0FA691B}"/>
+              </a:ext>
+            </a:extLst>
+          </p:cNvPr>
+          <p:cNvPicPr>
+            <a:picLocks noChangeAspect="1"/>
+          </p:cNvPicPr>
+          <p:nvPr/>
+        </p:nvPicPr>
+        <p:blipFill>
+          <a:blip r:embed="rId2"/>
+          <a:stretch>
+            <a:fillRect/>
+          </a:stretch>
+        </p:blipFill>
+        <p:spPr>
+          <a:xfrm>
+            <a:off x="5334961" y="183390"/>
+            <a:ext cx="2814640" cy="6309485"/>
+          </a:xfrm>
+          <a:prstGeom prst="rect">
+            <a:avLst/>
+          </a:prstGeom>
+        </p:spPr>
+      </p:pic>
+      <p:pic>
+        <p:nvPicPr>
+          <p:cNvPr id="7" name="Picture 6">
+            <a:extLst>
+              <a:ext uri="{FF2B5EF4-FFF2-40B4-BE49-F238E27FC236}">
+                <a16:creationId xmlns:a16="http://schemas.microsoft.com/office/drawing/2014/main" id="{5C2A9FA9-4BFB-4D6D-A7F7-A645C842C6D9}"/>
+              </a:ext>
+            </a:extLst>
+          </p:cNvPr>
+          <p:cNvPicPr>
+            <a:picLocks noChangeAspect="1"/>
+          </p:cNvPicPr>
+          <p:nvPr/>
+        </p:nvPicPr>
+        <p:blipFill>
+          <a:blip r:embed="rId3"/>
+          <a:stretch>
+            <a:fillRect/>
+          </a:stretch>
+        </p:blipFill>
+        <p:spPr>
+          <a:xfrm>
+            <a:off x="8413424" y="183390"/>
+            <a:ext cx="2786107" cy="6309485"/>
+          </a:xfrm>
+          <a:prstGeom prst="rect">
+            <a:avLst/>
+          </a:prstGeom>
+        </p:spPr>
+      </p:pic>
+    </p:spTree>
+    <p:extLst>
+      <p:ext uri="{BB962C8B-B14F-4D97-AF65-F5344CB8AC3E}">
+        <p14:creationId xmlns:p14="http://schemas.microsoft.com/office/powerpoint/2010/main" val="3375843686"/>
+      </p:ext>
+    </p:extLst>
+  </p:cSld>
+  <p:clrMapOvr>
+    <a:masterClrMapping/>
+  </p:clrMapOvr>
+</p:sld>
+</file>
+
 <file path=ppt/theme/theme1.xml><?xml version="1.0" encoding="utf-8"?>
 <a:theme xmlns:a="http://schemas.openxmlformats.org/drawingml/2006/main" name="Office Theme">
   <a:themeElements>

--- a/REsults.pptx
+++ b/REsults.pptx
@@ -10,6 +10,7 @@
     <p:sldId id="258" r:id="rId4"/>
     <p:sldId id="259" r:id="rId5"/>
     <p:sldId id="260" r:id="rId6"/>
+    <p:sldId id="261" r:id="rId7"/>
   </p:sldIdLst>
   <p:sldSz cx="12192000" cy="6858000"/>
   <p:notesSz cx="6858000" cy="9144000"/>
@@ -3846,7 +3847,11 @@
           <a:bodyPr/>
           <a:lstStyle/>
           <a:p>
-            <a:endParaRPr lang="en-SG"/>
+            <a:r>
+              <a:rPr lang="en-US" dirty="0"/>
+              <a:t>Lr = 0.01</a:t>
+            </a:r>
+            <a:endParaRPr lang="en-SG" dirty="0"/>
           </a:p>
         </p:txBody>
       </p:sp>
@@ -3872,7 +3877,7 @@
         </p:blipFill>
         <p:spPr>
           <a:xfrm>
-            <a:off x="5334961" y="183390"/>
+            <a:off x="4341048" y="183389"/>
             <a:ext cx="2814640" cy="6309485"/>
           </a:xfrm>
           <a:prstGeom prst="rect">
@@ -3902,7 +3907,7 @@
         </p:blipFill>
         <p:spPr>
           <a:xfrm>
-            <a:off x="8413424" y="183390"/>
+            <a:off x="7273737" y="193328"/>
             <a:ext cx="2786107" cy="6309485"/>
           </a:xfrm>
           <a:prstGeom prst="rect">
@@ -3914,6 +3919,161 @@
     <p:extLst>
       <p:ext uri="{BB962C8B-B14F-4D97-AF65-F5344CB8AC3E}">
         <p14:creationId xmlns:p14="http://schemas.microsoft.com/office/powerpoint/2010/main" val="3375843686"/>
+      </p:ext>
+    </p:extLst>
+  </p:cSld>
+  <p:clrMapOvr>
+    <a:masterClrMapping/>
+  </p:clrMapOvr>
+</p:sld>
+</file>
+
+<file path=ppt/slides/slide6.xml><?xml version="1.0" encoding="utf-8"?>
+<p:sld xmlns:a="http://schemas.openxmlformats.org/drawingml/2006/main" xmlns:r="http://schemas.openxmlformats.org/officeDocument/2006/relationships" xmlns:p="http://schemas.openxmlformats.org/presentationml/2006/main">
+  <p:cSld>
+    <p:spTree>
+      <p:nvGrpSpPr>
+        <p:cNvPr id="1" name=""/>
+        <p:cNvGrpSpPr/>
+        <p:nvPr/>
+      </p:nvGrpSpPr>
+      <p:grpSpPr>
+        <a:xfrm>
+          <a:off x="0" y="0"/>
+          <a:ext cx="0" cy="0"/>
+          <a:chOff x="0" y="0"/>
+          <a:chExt cx="0" cy="0"/>
+        </a:xfrm>
+      </p:grpSpPr>
+      <p:sp>
+        <p:nvSpPr>
+          <p:cNvPr id="2" name="Title 1">
+            <a:extLst>
+              <a:ext uri="{FF2B5EF4-FFF2-40B4-BE49-F238E27FC236}">
+                <a16:creationId xmlns:a16="http://schemas.microsoft.com/office/drawing/2014/main" id="{25FD6DCE-C83B-4BF0-BA56-CF4759C518E2}"/>
+              </a:ext>
+            </a:extLst>
+          </p:cNvPr>
+          <p:cNvSpPr>
+            <a:spLocks noGrp="1"/>
+          </p:cNvSpPr>
+          <p:nvPr>
+            <p:ph type="title"/>
+          </p:nvPr>
+        </p:nvSpPr>
+        <p:spPr/>
+        <p:txBody>
+          <a:bodyPr/>
+          <a:lstStyle/>
+          <a:p>
+            <a:r>
+              <a:rPr lang="en-US" dirty="0"/>
+              <a:t>LR = 0.001</a:t>
+            </a:r>
+            <a:br>
+              <a:rPr lang="en-US" dirty="0"/>
+            </a:br>
+            <a:r>
+              <a:rPr lang="en-US" dirty="0"/>
+              <a:t>50 vs </a:t>
+            </a:r>
+            <a:r>
+              <a:rPr lang="en-US"/>
+              <a:t>80 epoch</a:t>
+            </a:r>
+            <a:endParaRPr lang="en-SG" dirty="0"/>
+          </a:p>
+        </p:txBody>
+      </p:sp>
+      <p:sp>
+        <p:nvSpPr>
+          <p:cNvPr id="3" name="Content Placeholder 2">
+            <a:extLst>
+              <a:ext uri="{FF2B5EF4-FFF2-40B4-BE49-F238E27FC236}">
+                <a16:creationId xmlns:a16="http://schemas.microsoft.com/office/drawing/2014/main" id="{05650599-3135-4417-91D0-85CE312F1EFF}"/>
+              </a:ext>
+            </a:extLst>
+          </p:cNvPr>
+          <p:cNvSpPr>
+            <a:spLocks noGrp="1"/>
+          </p:cNvSpPr>
+          <p:nvPr>
+            <p:ph idx="1"/>
+          </p:nvPr>
+        </p:nvSpPr>
+        <p:spPr/>
+        <p:txBody>
+          <a:bodyPr/>
+          <a:lstStyle/>
+          <a:p>
+            <a:endParaRPr lang="en-SG" dirty="0"/>
+          </a:p>
+        </p:txBody>
+      </p:sp>
+      <p:pic>
+        <p:nvPicPr>
+          <p:cNvPr id="5" name="Picture 4">
+            <a:extLst>
+              <a:ext uri="{FF2B5EF4-FFF2-40B4-BE49-F238E27FC236}">
+                <a16:creationId xmlns:a16="http://schemas.microsoft.com/office/drawing/2014/main" id="{97B8A757-1123-4826-99EA-D830BF346F3D}"/>
+              </a:ext>
+            </a:extLst>
+          </p:cNvPr>
+          <p:cNvPicPr>
+            <a:picLocks noChangeAspect="1"/>
+          </p:cNvPicPr>
+          <p:nvPr/>
+        </p:nvPicPr>
+        <p:blipFill>
+          <a:blip r:embed="rId2"/>
+          <a:stretch>
+            <a:fillRect/>
+          </a:stretch>
+        </p:blipFill>
+        <p:spPr>
+          <a:xfrm>
+            <a:off x="4548663" y="0"/>
+            <a:ext cx="3094673" cy="6858000"/>
+          </a:xfrm>
+          <a:prstGeom prst="rect">
+            <a:avLst/>
+          </a:prstGeom>
+        </p:spPr>
+      </p:pic>
+      <p:pic>
+        <p:nvPicPr>
+          <p:cNvPr id="7" name="Picture 6">
+            <a:extLst>
+              <a:ext uri="{FF2B5EF4-FFF2-40B4-BE49-F238E27FC236}">
+                <a16:creationId xmlns:a16="http://schemas.microsoft.com/office/drawing/2014/main" id="{53748E60-F216-46EA-808A-242A5AB4DF9B}"/>
+              </a:ext>
+            </a:extLst>
+          </p:cNvPr>
+          <p:cNvPicPr>
+            <a:picLocks noChangeAspect="1"/>
+          </p:cNvPicPr>
+          <p:nvPr/>
+        </p:nvPicPr>
+        <p:blipFill>
+          <a:blip r:embed="rId3"/>
+          <a:stretch>
+            <a:fillRect/>
+          </a:stretch>
+        </p:blipFill>
+        <p:spPr>
+          <a:xfrm>
+            <a:off x="7863011" y="0"/>
+            <a:ext cx="2323437" cy="6858000"/>
+          </a:xfrm>
+          <a:prstGeom prst="rect">
+            <a:avLst/>
+          </a:prstGeom>
+        </p:spPr>
+      </p:pic>
+    </p:spTree>
+    <p:extLst>
+      <p:ext uri="{BB962C8B-B14F-4D97-AF65-F5344CB8AC3E}">
+        <p14:creationId xmlns:p14="http://schemas.microsoft.com/office/powerpoint/2010/main" val="2156360420"/>
       </p:ext>
     </p:extLst>
   </p:cSld>

--- a/REsults.pptx
+++ b/REsults.pptx
@@ -11,6 +11,7 @@
     <p:sldId id="259" r:id="rId5"/>
     <p:sldId id="260" r:id="rId6"/>
     <p:sldId id="261" r:id="rId7"/>
+    <p:sldId id="262" r:id="rId8"/>
   </p:sldIdLst>
   <p:sldSz cx="12192000" cy="6858000"/>
   <p:notesSz cx="6858000" cy="9144000"/>
@@ -266,7 +267,7 @@
           <a:p>
             <a:fld id="{91802373-E2A4-4214-8D52-AAEBA38B6C24}" type="datetimeFigureOut">
               <a:rPr lang="en-SG" smtClean="0"/>
-              <a:t>12/3/2021</a:t>
+              <a:t>15/3/2021</a:t>
             </a:fld>
             <a:endParaRPr lang="en-SG"/>
           </a:p>
@@ -466,7 +467,7 @@
           <a:p>
             <a:fld id="{91802373-E2A4-4214-8D52-AAEBA38B6C24}" type="datetimeFigureOut">
               <a:rPr lang="en-SG" smtClean="0"/>
-              <a:t>12/3/2021</a:t>
+              <a:t>15/3/2021</a:t>
             </a:fld>
             <a:endParaRPr lang="en-SG"/>
           </a:p>
@@ -676,7 +677,7 @@
           <a:p>
             <a:fld id="{91802373-E2A4-4214-8D52-AAEBA38B6C24}" type="datetimeFigureOut">
               <a:rPr lang="en-SG" smtClean="0"/>
-              <a:t>12/3/2021</a:t>
+              <a:t>15/3/2021</a:t>
             </a:fld>
             <a:endParaRPr lang="en-SG"/>
           </a:p>
@@ -876,7 +877,7 @@
           <a:p>
             <a:fld id="{91802373-E2A4-4214-8D52-AAEBA38B6C24}" type="datetimeFigureOut">
               <a:rPr lang="en-SG" smtClean="0"/>
-              <a:t>12/3/2021</a:t>
+              <a:t>15/3/2021</a:t>
             </a:fld>
             <a:endParaRPr lang="en-SG"/>
           </a:p>
@@ -1152,7 +1153,7 @@
           <a:p>
             <a:fld id="{91802373-E2A4-4214-8D52-AAEBA38B6C24}" type="datetimeFigureOut">
               <a:rPr lang="en-SG" smtClean="0"/>
-              <a:t>12/3/2021</a:t>
+              <a:t>15/3/2021</a:t>
             </a:fld>
             <a:endParaRPr lang="en-SG"/>
           </a:p>
@@ -1420,7 +1421,7 @@
           <a:p>
             <a:fld id="{91802373-E2A4-4214-8D52-AAEBA38B6C24}" type="datetimeFigureOut">
               <a:rPr lang="en-SG" smtClean="0"/>
-              <a:t>12/3/2021</a:t>
+              <a:t>15/3/2021</a:t>
             </a:fld>
             <a:endParaRPr lang="en-SG"/>
           </a:p>
@@ -1835,7 +1836,7 @@
           <a:p>
             <a:fld id="{91802373-E2A4-4214-8D52-AAEBA38B6C24}" type="datetimeFigureOut">
               <a:rPr lang="en-SG" smtClean="0"/>
-              <a:t>12/3/2021</a:t>
+              <a:t>15/3/2021</a:t>
             </a:fld>
             <a:endParaRPr lang="en-SG"/>
           </a:p>
@@ -1977,7 +1978,7 @@
           <a:p>
             <a:fld id="{91802373-E2A4-4214-8D52-AAEBA38B6C24}" type="datetimeFigureOut">
               <a:rPr lang="en-SG" smtClean="0"/>
-              <a:t>12/3/2021</a:t>
+              <a:t>15/3/2021</a:t>
             </a:fld>
             <a:endParaRPr lang="en-SG"/>
           </a:p>
@@ -2090,7 +2091,7 @@
           <a:p>
             <a:fld id="{91802373-E2A4-4214-8D52-AAEBA38B6C24}" type="datetimeFigureOut">
               <a:rPr lang="en-SG" smtClean="0"/>
-              <a:t>12/3/2021</a:t>
+              <a:t>15/3/2021</a:t>
             </a:fld>
             <a:endParaRPr lang="en-SG"/>
           </a:p>
@@ -2403,7 +2404,7 @@
           <a:p>
             <a:fld id="{91802373-E2A4-4214-8D52-AAEBA38B6C24}" type="datetimeFigureOut">
               <a:rPr lang="en-SG" smtClean="0"/>
-              <a:t>12/3/2021</a:t>
+              <a:t>15/3/2021</a:t>
             </a:fld>
             <a:endParaRPr lang="en-SG"/>
           </a:p>
@@ -2692,7 +2693,7 @@
           <a:p>
             <a:fld id="{91802373-E2A4-4214-8D52-AAEBA38B6C24}" type="datetimeFigureOut">
               <a:rPr lang="en-SG" smtClean="0"/>
-              <a:t>12/3/2021</a:t>
+              <a:t>15/3/2021</a:t>
             </a:fld>
             <a:endParaRPr lang="en-SG"/>
           </a:p>
@@ -2935,7 +2936,7 @@
           <a:p>
             <a:fld id="{91802373-E2A4-4214-8D52-AAEBA38B6C24}" type="datetimeFigureOut">
               <a:rPr lang="en-SG" smtClean="0"/>
-              <a:t>12/3/2021</a:t>
+              <a:t>15/3/2021</a:t>
             </a:fld>
             <a:endParaRPr lang="en-SG"/>
           </a:p>
@@ -4083,6 +4084,524 @@
 </p:sld>
 </file>
 
+<file path=ppt/slides/slide7.xml><?xml version="1.0" encoding="utf-8"?>
+<p:sld xmlns:a="http://schemas.openxmlformats.org/drawingml/2006/main" xmlns:r="http://schemas.openxmlformats.org/officeDocument/2006/relationships" xmlns:p="http://schemas.openxmlformats.org/presentationml/2006/main">
+  <p:cSld>
+    <p:spTree>
+      <p:nvGrpSpPr>
+        <p:cNvPr id="1" name=""/>
+        <p:cNvGrpSpPr/>
+        <p:nvPr/>
+      </p:nvGrpSpPr>
+      <p:grpSpPr>
+        <a:xfrm>
+          <a:off x="0" y="0"/>
+          <a:ext cx="0" cy="0"/>
+          <a:chOff x="0" y="0"/>
+          <a:chExt cx="0" cy="0"/>
+        </a:xfrm>
+      </p:grpSpPr>
+      <p:pic>
+        <p:nvPicPr>
+          <p:cNvPr id="1026" name="Picture 2" descr="RPI3-MODBP-BULK Raspberry Pi | Mouser Singapore">
+            <a:extLst>
+              <a:ext uri="{FF2B5EF4-FFF2-40B4-BE49-F238E27FC236}">
+                <a16:creationId xmlns:a16="http://schemas.microsoft.com/office/drawing/2014/main" id="{E45FE1CE-408A-471F-9634-846E7788212A}"/>
+              </a:ext>
+            </a:extLst>
+          </p:cNvPr>
+          <p:cNvPicPr>
+            <a:picLocks noChangeAspect="1" noChangeArrowheads="1"/>
+          </p:cNvPicPr>
+          <p:nvPr/>
+        </p:nvPicPr>
+        <p:blipFill>
+          <a:blip r:embed="rId2">
+            <a:extLst>
+              <a:ext uri="{28A0092B-C50C-407E-A947-70E740481C1C}">
+                <a14:useLocalDpi xmlns:a14="http://schemas.microsoft.com/office/drawing/2010/main" val="0"/>
+              </a:ext>
+            </a:extLst>
+          </a:blip>
+          <a:srcRect/>
+          <a:stretch>
+            <a:fillRect/>
+          </a:stretch>
+        </p:blipFill>
+        <p:spPr bwMode="auto">
+          <a:xfrm>
+            <a:off x="1224168" y="3599743"/>
+            <a:ext cx="2443370" cy="2443370"/>
+          </a:xfrm>
+          <a:prstGeom prst="rect">
+            <a:avLst/>
+          </a:prstGeom>
+          <a:noFill/>
+          <a:extLst>
+            <a:ext uri="{909E8E84-426E-40DD-AFC4-6F175D3DCCD1}">
+              <a14:hiddenFill xmlns:a14="http://schemas.microsoft.com/office/drawing/2010/main">
+                <a:solidFill>
+                  <a:srgbClr val="FFFFFF"/>
+                </a:solidFill>
+              </a14:hiddenFill>
+            </a:ext>
+          </a:extLst>
+        </p:spPr>
+      </p:pic>
+      <p:pic>
+        <p:nvPicPr>
+          <p:cNvPr id="1028" name="Picture 4" descr="XeThru X4 - Radartutorial">
+            <a:extLst>
+              <a:ext uri="{FF2B5EF4-FFF2-40B4-BE49-F238E27FC236}">
+                <a16:creationId xmlns:a16="http://schemas.microsoft.com/office/drawing/2014/main" id="{96DF32BB-F3F6-4CB4-B59A-CEE3F79EC23A}"/>
+              </a:ext>
+            </a:extLst>
+          </p:cNvPr>
+          <p:cNvPicPr>
+            <a:picLocks noChangeAspect="1" noChangeArrowheads="1"/>
+          </p:cNvPicPr>
+          <p:nvPr/>
+        </p:nvPicPr>
+        <p:blipFill>
+          <a:blip r:embed="rId3">
+            <a:extLst>
+              <a:ext uri="{28A0092B-C50C-407E-A947-70E740481C1C}">
+                <a14:useLocalDpi xmlns:a14="http://schemas.microsoft.com/office/drawing/2010/main" val="0"/>
+              </a:ext>
+            </a:extLst>
+          </a:blip>
+          <a:srcRect/>
+          <a:stretch>
+            <a:fillRect/>
+          </a:stretch>
+        </p:blipFill>
+        <p:spPr bwMode="auto">
+          <a:xfrm>
+            <a:off x="1136166" y="1376224"/>
+            <a:ext cx="2619375" cy="1743075"/>
+          </a:xfrm>
+          <a:prstGeom prst="rect">
+            <a:avLst/>
+          </a:prstGeom>
+          <a:noFill/>
+          <a:extLst>
+            <a:ext uri="{909E8E84-426E-40DD-AFC4-6F175D3DCCD1}">
+              <a14:hiddenFill xmlns:a14="http://schemas.microsoft.com/office/drawing/2010/main">
+                <a:solidFill>
+                  <a:srgbClr val="FFFFFF"/>
+                </a:solidFill>
+              </a14:hiddenFill>
+            </a:ext>
+          </a:extLst>
+        </p:spPr>
+      </p:pic>
+      <p:cxnSp>
+        <p:nvCxnSpPr>
+          <p:cNvPr id="5" name="Straight Arrow Connector 4">
+            <a:extLst>
+              <a:ext uri="{FF2B5EF4-FFF2-40B4-BE49-F238E27FC236}">
+                <a16:creationId xmlns:a16="http://schemas.microsoft.com/office/drawing/2014/main" id="{3A49D784-B46F-47BD-A077-BD7717631C54}"/>
+              </a:ext>
+            </a:extLst>
+          </p:cNvPr>
+          <p:cNvCxnSpPr/>
+          <p:nvPr/>
+        </p:nvCxnSpPr>
+        <p:spPr>
+          <a:xfrm>
+            <a:off x="2445854" y="2769704"/>
+            <a:ext cx="0" cy="1231590"/>
+          </a:xfrm>
+          <a:prstGeom prst="straightConnector1">
+            <a:avLst/>
+          </a:prstGeom>
+          <a:ln>
+            <a:tailEnd type="triangle"/>
+          </a:ln>
+        </p:spPr>
+        <p:style>
+          <a:lnRef idx="1">
+            <a:schemeClr val="accent1"/>
+          </a:lnRef>
+          <a:fillRef idx="0">
+            <a:schemeClr val="accent1"/>
+          </a:fillRef>
+          <a:effectRef idx="0">
+            <a:schemeClr val="accent1"/>
+          </a:effectRef>
+          <a:fontRef idx="minor">
+            <a:schemeClr val="tx1"/>
+          </a:fontRef>
+        </p:style>
+      </p:cxnSp>
+      <p:sp>
+        <p:nvSpPr>
+          <p:cNvPr id="6" name="TextBox 5">
+            <a:extLst>
+              <a:ext uri="{FF2B5EF4-FFF2-40B4-BE49-F238E27FC236}">
+                <a16:creationId xmlns:a16="http://schemas.microsoft.com/office/drawing/2014/main" id="{B54DD647-DA5B-4410-9C0A-4CA5259C6F19}"/>
+              </a:ext>
+            </a:extLst>
+          </p:cNvPr>
+          <p:cNvSpPr txBox="1"/>
+          <p:nvPr/>
+        </p:nvSpPr>
+        <p:spPr>
+          <a:xfrm>
+            <a:off x="1936481" y="3162943"/>
+            <a:ext cx="509372" cy="369332"/>
+          </a:xfrm>
+          <a:prstGeom prst="rect">
+            <a:avLst/>
+          </a:prstGeom>
+          <a:noFill/>
+        </p:spPr>
+        <p:txBody>
+          <a:bodyPr wrap="square" rtlCol="0">
+            <a:spAutoFit/>
+          </a:bodyPr>
+          <a:lstStyle/>
+          <a:p>
+            <a:r>
+              <a:rPr lang="en-US" dirty="0"/>
+              <a:t>SPI</a:t>
+            </a:r>
+            <a:endParaRPr lang="en-SG" dirty="0"/>
+          </a:p>
+        </p:txBody>
+      </p:sp>
+      <p:sp>
+        <p:nvSpPr>
+          <p:cNvPr id="11" name="TextBox 10">
+            <a:extLst>
+              <a:ext uri="{FF2B5EF4-FFF2-40B4-BE49-F238E27FC236}">
+                <a16:creationId xmlns:a16="http://schemas.microsoft.com/office/drawing/2014/main" id="{F349E364-1857-4AF3-B3CD-756579A50927}"/>
+              </a:ext>
+            </a:extLst>
+          </p:cNvPr>
+          <p:cNvSpPr txBox="1"/>
+          <p:nvPr/>
+        </p:nvSpPr>
+        <p:spPr>
+          <a:xfrm>
+            <a:off x="3929270" y="1478381"/>
+            <a:ext cx="980661" cy="369332"/>
+          </a:xfrm>
+          <a:prstGeom prst="rect">
+            <a:avLst/>
+          </a:prstGeom>
+          <a:noFill/>
+        </p:spPr>
+        <p:txBody>
+          <a:bodyPr wrap="square" rtlCol="0">
+            <a:spAutoFit/>
+          </a:bodyPr>
+          <a:lstStyle/>
+          <a:p>
+            <a:r>
+              <a:rPr lang="en-US" dirty="0"/>
+              <a:t>TX</a:t>
+            </a:r>
+            <a:endParaRPr lang="en-SG" dirty="0"/>
+          </a:p>
+        </p:txBody>
+      </p:sp>
+      <p:sp>
+        <p:nvSpPr>
+          <p:cNvPr id="14" name="TextBox 13">
+            <a:extLst>
+              <a:ext uri="{FF2B5EF4-FFF2-40B4-BE49-F238E27FC236}">
+                <a16:creationId xmlns:a16="http://schemas.microsoft.com/office/drawing/2014/main" id="{639E59BA-4551-44FB-AA13-6655B1F5F65E}"/>
+              </a:ext>
+            </a:extLst>
+          </p:cNvPr>
+          <p:cNvSpPr txBox="1"/>
+          <p:nvPr/>
+        </p:nvSpPr>
+        <p:spPr>
+          <a:xfrm>
+            <a:off x="3929270" y="2376215"/>
+            <a:ext cx="616226" cy="369332"/>
+          </a:xfrm>
+          <a:prstGeom prst="rect">
+            <a:avLst/>
+          </a:prstGeom>
+          <a:noFill/>
+        </p:spPr>
+        <p:txBody>
+          <a:bodyPr wrap="square" rtlCol="0">
+            <a:spAutoFit/>
+          </a:bodyPr>
+          <a:lstStyle/>
+          <a:p>
+            <a:r>
+              <a:rPr lang="en-US" dirty="0"/>
+              <a:t>RX</a:t>
+            </a:r>
+            <a:endParaRPr lang="en-SG" dirty="0"/>
+          </a:p>
+        </p:txBody>
+      </p:sp>
+      <p:pic>
+        <p:nvPicPr>
+          <p:cNvPr id="1030" name="Picture 6" descr="Palm Down Images, Stock Photos &amp; Vectors | Shutterstock">
+            <a:extLst>
+              <a:ext uri="{FF2B5EF4-FFF2-40B4-BE49-F238E27FC236}">
+                <a16:creationId xmlns:a16="http://schemas.microsoft.com/office/drawing/2014/main" id="{9158A007-437E-43A3-AA54-E4C69E73441F}"/>
+              </a:ext>
+            </a:extLst>
+          </p:cNvPr>
+          <p:cNvPicPr>
+            <a:picLocks noChangeAspect="1" noChangeArrowheads="1"/>
+          </p:cNvPicPr>
+          <p:nvPr/>
+        </p:nvPicPr>
+        <p:blipFill rotWithShape="1">
+          <a:blip r:embed="rId4">
+            <a:extLst>
+              <a:ext uri="{28A0092B-C50C-407E-A947-70E740481C1C}">
+                <a14:useLocalDpi xmlns:a14="http://schemas.microsoft.com/office/drawing/2010/main" val="0"/>
+              </a:ext>
+            </a:extLst>
+          </a:blip>
+          <a:srcRect b="8993"/>
+          <a:stretch/>
+        </p:blipFill>
+        <p:spPr bwMode="auto">
+          <a:xfrm rot="5400000">
+            <a:off x="5657436" y="1343439"/>
+            <a:ext cx="2524125" cy="1646998"/>
+          </a:xfrm>
+          <a:prstGeom prst="rect">
+            <a:avLst/>
+          </a:prstGeom>
+          <a:noFill/>
+          <a:extLst>
+            <a:ext uri="{909E8E84-426E-40DD-AFC4-6F175D3DCCD1}">
+              <a14:hiddenFill xmlns:a14="http://schemas.microsoft.com/office/drawing/2010/main">
+                <a:solidFill>
+                  <a:srgbClr val="FFFFFF"/>
+                </a:solidFill>
+              </a14:hiddenFill>
+            </a:ext>
+          </a:extLst>
+        </p:spPr>
+      </p:pic>
+      <p:cxnSp>
+        <p:nvCxnSpPr>
+          <p:cNvPr id="8" name="Straight Arrow Connector 7">
+            <a:extLst>
+              <a:ext uri="{FF2B5EF4-FFF2-40B4-BE49-F238E27FC236}">
+                <a16:creationId xmlns:a16="http://schemas.microsoft.com/office/drawing/2014/main" id="{17D92F5D-40CB-42F2-8BFF-7A6B5F34B3CD}"/>
+              </a:ext>
+            </a:extLst>
+          </p:cNvPr>
+          <p:cNvCxnSpPr>
+            <a:cxnSpLocks/>
+          </p:cNvCxnSpPr>
+          <p:nvPr/>
+        </p:nvCxnSpPr>
+        <p:spPr>
+          <a:xfrm>
+            <a:off x="3419060" y="1876219"/>
+            <a:ext cx="3215310" cy="0"/>
+          </a:xfrm>
+          <a:prstGeom prst="straightConnector1">
+            <a:avLst/>
+          </a:prstGeom>
+          <a:ln>
+            <a:tailEnd type="triangle"/>
+          </a:ln>
+        </p:spPr>
+        <p:style>
+          <a:lnRef idx="1">
+            <a:schemeClr val="accent1"/>
+          </a:lnRef>
+          <a:fillRef idx="0">
+            <a:schemeClr val="accent1"/>
+          </a:fillRef>
+          <a:effectRef idx="0">
+            <a:schemeClr val="accent1"/>
+          </a:effectRef>
+          <a:fontRef idx="minor">
+            <a:schemeClr val="tx1"/>
+          </a:fontRef>
+        </p:style>
+      </p:cxnSp>
+      <p:cxnSp>
+        <p:nvCxnSpPr>
+          <p:cNvPr id="10" name="Straight Arrow Connector 9">
+            <a:extLst>
+              <a:ext uri="{FF2B5EF4-FFF2-40B4-BE49-F238E27FC236}">
+                <a16:creationId xmlns:a16="http://schemas.microsoft.com/office/drawing/2014/main" id="{263007F5-DE76-4C40-8712-6CB4E6499CF5}"/>
+              </a:ext>
+            </a:extLst>
+          </p:cNvPr>
+          <p:cNvCxnSpPr/>
+          <p:nvPr/>
+        </p:nvCxnSpPr>
+        <p:spPr>
+          <a:xfrm flipH="1">
+            <a:off x="3543299" y="2247761"/>
+            <a:ext cx="3091071" cy="0"/>
+          </a:xfrm>
+          <a:prstGeom prst="straightConnector1">
+            <a:avLst/>
+          </a:prstGeom>
+          <a:ln>
+            <a:tailEnd type="triangle"/>
+          </a:ln>
+        </p:spPr>
+        <p:style>
+          <a:lnRef idx="1">
+            <a:schemeClr val="accent1"/>
+          </a:lnRef>
+          <a:fillRef idx="0">
+            <a:schemeClr val="accent1"/>
+          </a:fillRef>
+          <a:effectRef idx="0">
+            <a:schemeClr val="accent1"/>
+          </a:effectRef>
+          <a:fontRef idx="minor">
+            <a:schemeClr val="tx1"/>
+          </a:fontRef>
+        </p:style>
+      </p:cxnSp>
+      <p:pic>
+        <p:nvPicPr>
+          <p:cNvPr id="1032" name="Picture 8" descr="Dell XPS 13 (7390) Laptop | Dell Singapore">
+            <a:extLst>
+              <a:ext uri="{FF2B5EF4-FFF2-40B4-BE49-F238E27FC236}">
+                <a16:creationId xmlns:a16="http://schemas.microsoft.com/office/drawing/2014/main" id="{F5F04BA2-6885-4E1B-94B2-C1DF64F9B90A}"/>
+              </a:ext>
+            </a:extLst>
+          </p:cNvPr>
+          <p:cNvPicPr>
+            <a:picLocks noChangeAspect="1" noChangeArrowheads="1"/>
+          </p:cNvPicPr>
+          <p:nvPr/>
+        </p:nvPicPr>
+        <p:blipFill>
+          <a:blip r:embed="rId5">
+            <a:extLst>
+              <a:ext uri="{28A0092B-C50C-407E-A947-70E740481C1C}">
+                <a14:useLocalDpi xmlns:a14="http://schemas.microsoft.com/office/drawing/2010/main" val="0"/>
+              </a:ext>
+            </a:extLst>
+          </a:blip>
+          <a:srcRect/>
+          <a:stretch>
+            <a:fillRect/>
+          </a:stretch>
+        </p:blipFill>
+        <p:spPr bwMode="auto">
+          <a:xfrm>
+            <a:off x="5401089" y="3928996"/>
+            <a:ext cx="3836718" cy="2394970"/>
+          </a:xfrm>
+          <a:prstGeom prst="rect">
+            <a:avLst/>
+          </a:prstGeom>
+          <a:noFill/>
+          <a:extLst>
+            <a:ext uri="{909E8E84-426E-40DD-AFC4-6F175D3DCCD1}">
+              <a14:hiddenFill xmlns:a14="http://schemas.microsoft.com/office/drawing/2010/main">
+                <a:solidFill>
+                  <a:srgbClr val="FFFFFF"/>
+                </a:solidFill>
+              </a14:hiddenFill>
+            </a:ext>
+          </a:extLst>
+        </p:spPr>
+      </p:pic>
+      <p:cxnSp>
+        <p:nvCxnSpPr>
+          <p:cNvPr id="15" name="Connector: Elbow 14">
+            <a:extLst>
+              <a:ext uri="{FF2B5EF4-FFF2-40B4-BE49-F238E27FC236}">
+                <a16:creationId xmlns:a16="http://schemas.microsoft.com/office/drawing/2014/main" id="{07072E90-5483-4520-B55F-E541C7A2AB7B}"/>
+              </a:ext>
+            </a:extLst>
+          </p:cNvPr>
+          <p:cNvCxnSpPr/>
+          <p:nvPr/>
+        </p:nvCxnSpPr>
+        <p:spPr>
+          <a:xfrm>
+            <a:off x="2610678" y="5420139"/>
+            <a:ext cx="3670852" cy="437322"/>
+          </a:xfrm>
+          <a:prstGeom prst="bentConnector3">
+            <a:avLst/>
+          </a:prstGeom>
+          <a:ln>
+            <a:tailEnd type="triangle"/>
+          </a:ln>
+        </p:spPr>
+        <p:style>
+          <a:lnRef idx="1">
+            <a:schemeClr val="accent1"/>
+          </a:lnRef>
+          <a:fillRef idx="0">
+            <a:schemeClr val="accent1"/>
+          </a:fillRef>
+          <a:effectRef idx="0">
+            <a:schemeClr val="accent1"/>
+          </a:effectRef>
+          <a:fontRef idx="minor">
+            <a:schemeClr val="tx1"/>
+          </a:fontRef>
+        </p:style>
+      </p:cxnSp>
+      <p:sp>
+        <p:nvSpPr>
+          <p:cNvPr id="16" name="TextBox 15">
+            <a:extLst>
+              <a:ext uri="{FF2B5EF4-FFF2-40B4-BE49-F238E27FC236}">
+                <a16:creationId xmlns:a16="http://schemas.microsoft.com/office/drawing/2014/main" id="{3997E7DC-F791-48A6-8F64-C305ED2AE5FF}"/>
+              </a:ext>
+            </a:extLst>
+          </p:cNvPr>
+          <p:cNvSpPr txBox="1"/>
+          <p:nvPr/>
+        </p:nvSpPr>
+        <p:spPr>
+          <a:xfrm>
+            <a:off x="4137991" y="5857461"/>
+            <a:ext cx="616226" cy="369332"/>
+          </a:xfrm>
+          <a:prstGeom prst="rect">
+            <a:avLst/>
+          </a:prstGeom>
+          <a:noFill/>
+        </p:spPr>
+        <p:txBody>
+          <a:bodyPr wrap="square" rtlCol="0">
+            <a:spAutoFit/>
+          </a:bodyPr>
+          <a:lstStyle/>
+          <a:p>
+            <a:r>
+              <a:rPr lang="en-US" dirty="0"/>
+              <a:t>SSH</a:t>
+            </a:r>
+            <a:endParaRPr lang="en-SG" dirty="0"/>
+          </a:p>
+        </p:txBody>
+      </p:sp>
+    </p:spTree>
+    <p:extLst>
+      <p:ext uri="{BB962C8B-B14F-4D97-AF65-F5344CB8AC3E}">
+        <p14:creationId xmlns:p14="http://schemas.microsoft.com/office/powerpoint/2010/main" val="3291239721"/>
+      </p:ext>
+    </p:extLst>
+  </p:cSld>
+  <p:clrMapOvr>
+    <a:masterClrMapping/>
+  </p:clrMapOvr>
+</p:sld>
+</file>
+
 <file path=ppt/theme/theme1.xml><?xml version="1.0" encoding="utf-8"?>
 <a:theme xmlns:a="http://schemas.openxmlformats.org/drawingml/2006/main" name="Office Theme">
   <a:themeElements>

--- a/REsults.pptx
+++ b/REsults.pptx
@@ -12,6 +12,7 @@
     <p:sldId id="260" r:id="rId6"/>
     <p:sldId id="261" r:id="rId7"/>
     <p:sldId id="262" r:id="rId8"/>
+    <p:sldId id="263" r:id="rId9"/>
   </p:sldIdLst>
   <p:sldSz cx="12192000" cy="6858000"/>
   <p:notesSz cx="6858000" cy="9144000"/>
@@ -267,7 +268,7 @@
           <a:p>
             <a:fld id="{91802373-E2A4-4214-8D52-AAEBA38B6C24}" type="datetimeFigureOut">
               <a:rPr lang="en-SG" smtClean="0"/>
-              <a:t>15/3/2021</a:t>
+              <a:t>16/3/2021</a:t>
             </a:fld>
             <a:endParaRPr lang="en-SG"/>
           </a:p>
@@ -467,7 +468,7 @@
           <a:p>
             <a:fld id="{91802373-E2A4-4214-8D52-AAEBA38B6C24}" type="datetimeFigureOut">
               <a:rPr lang="en-SG" smtClean="0"/>
-              <a:t>15/3/2021</a:t>
+              <a:t>16/3/2021</a:t>
             </a:fld>
             <a:endParaRPr lang="en-SG"/>
           </a:p>
@@ -677,7 +678,7 @@
           <a:p>
             <a:fld id="{91802373-E2A4-4214-8D52-AAEBA38B6C24}" type="datetimeFigureOut">
               <a:rPr lang="en-SG" smtClean="0"/>
-              <a:t>15/3/2021</a:t>
+              <a:t>16/3/2021</a:t>
             </a:fld>
             <a:endParaRPr lang="en-SG"/>
           </a:p>
@@ -877,7 +878,7 @@
           <a:p>
             <a:fld id="{91802373-E2A4-4214-8D52-AAEBA38B6C24}" type="datetimeFigureOut">
               <a:rPr lang="en-SG" smtClean="0"/>
-              <a:t>15/3/2021</a:t>
+              <a:t>16/3/2021</a:t>
             </a:fld>
             <a:endParaRPr lang="en-SG"/>
           </a:p>
@@ -1153,7 +1154,7 @@
           <a:p>
             <a:fld id="{91802373-E2A4-4214-8D52-AAEBA38B6C24}" type="datetimeFigureOut">
               <a:rPr lang="en-SG" smtClean="0"/>
-              <a:t>15/3/2021</a:t>
+              <a:t>16/3/2021</a:t>
             </a:fld>
             <a:endParaRPr lang="en-SG"/>
           </a:p>
@@ -1421,7 +1422,7 @@
           <a:p>
             <a:fld id="{91802373-E2A4-4214-8D52-AAEBA38B6C24}" type="datetimeFigureOut">
               <a:rPr lang="en-SG" smtClean="0"/>
-              <a:t>15/3/2021</a:t>
+              <a:t>16/3/2021</a:t>
             </a:fld>
             <a:endParaRPr lang="en-SG"/>
           </a:p>
@@ -1836,7 +1837,7 @@
           <a:p>
             <a:fld id="{91802373-E2A4-4214-8D52-AAEBA38B6C24}" type="datetimeFigureOut">
               <a:rPr lang="en-SG" smtClean="0"/>
-              <a:t>15/3/2021</a:t>
+              <a:t>16/3/2021</a:t>
             </a:fld>
             <a:endParaRPr lang="en-SG"/>
           </a:p>
@@ -1978,7 +1979,7 @@
           <a:p>
             <a:fld id="{91802373-E2A4-4214-8D52-AAEBA38B6C24}" type="datetimeFigureOut">
               <a:rPr lang="en-SG" smtClean="0"/>
-              <a:t>15/3/2021</a:t>
+              <a:t>16/3/2021</a:t>
             </a:fld>
             <a:endParaRPr lang="en-SG"/>
           </a:p>
@@ -2091,7 +2092,7 @@
           <a:p>
             <a:fld id="{91802373-E2A4-4214-8D52-AAEBA38B6C24}" type="datetimeFigureOut">
               <a:rPr lang="en-SG" smtClean="0"/>
-              <a:t>15/3/2021</a:t>
+              <a:t>16/3/2021</a:t>
             </a:fld>
             <a:endParaRPr lang="en-SG"/>
           </a:p>
@@ -2404,7 +2405,7 @@
           <a:p>
             <a:fld id="{91802373-E2A4-4214-8D52-AAEBA38B6C24}" type="datetimeFigureOut">
               <a:rPr lang="en-SG" smtClean="0"/>
-              <a:t>15/3/2021</a:t>
+              <a:t>16/3/2021</a:t>
             </a:fld>
             <a:endParaRPr lang="en-SG"/>
           </a:p>
@@ -2693,7 +2694,7 @@
           <a:p>
             <a:fld id="{91802373-E2A4-4214-8D52-AAEBA38B6C24}" type="datetimeFigureOut">
               <a:rPr lang="en-SG" smtClean="0"/>
-              <a:t>15/3/2021</a:t>
+              <a:t>16/3/2021</a:t>
             </a:fld>
             <a:endParaRPr lang="en-SG"/>
           </a:p>
@@ -2936,7 +2937,7 @@
           <a:p>
             <a:fld id="{91802373-E2A4-4214-8D52-AAEBA38B6C24}" type="datetimeFigureOut">
               <a:rPr lang="en-SG" smtClean="0"/>
-              <a:t>15/3/2021</a:t>
+              <a:t>16/3/2021</a:t>
             </a:fld>
             <a:endParaRPr lang="en-SG"/>
           </a:p>
@@ -4602,6 +4603,538 @@
 </p:sld>
 </file>
 
+<file path=ppt/slides/slide8.xml><?xml version="1.0" encoding="utf-8"?>
+<p:sld xmlns:a="http://schemas.openxmlformats.org/drawingml/2006/main" xmlns:r="http://schemas.openxmlformats.org/officeDocument/2006/relationships" xmlns:p="http://schemas.openxmlformats.org/presentationml/2006/main">
+  <p:cSld>
+    <p:spTree>
+      <p:nvGrpSpPr>
+        <p:cNvPr id="1" name=""/>
+        <p:cNvGrpSpPr/>
+        <p:nvPr/>
+      </p:nvGrpSpPr>
+      <p:grpSpPr>
+        <a:xfrm>
+          <a:off x="0" y="0"/>
+          <a:ext cx="0" cy="0"/>
+          <a:chOff x="0" y="0"/>
+          <a:chExt cx="0" cy="0"/>
+        </a:xfrm>
+      </p:grpSpPr>
+      <p:pic>
+        <p:nvPicPr>
+          <p:cNvPr id="5" name="Picture 4">
+            <a:extLst>
+              <a:ext uri="{FF2B5EF4-FFF2-40B4-BE49-F238E27FC236}">
+                <a16:creationId xmlns:a16="http://schemas.microsoft.com/office/drawing/2014/main" id="{1E619FD7-A202-4AB9-8771-946E3C526C5C}"/>
+              </a:ext>
+            </a:extLst>
+          </p:cNvPr>
+          <p:cNvPicPr>
+            <a:picLocks noChangeAspect="1"/>
+          </p:cNvPicPr>
+          <p:nvPr/>
+        </p:nvPicPr>
+        <p:blipFill rotWithShape="1">
+          <a:blip r:embed="rId2">
+            <a:extLst>
+              <a:ext uri="{28A0092B-C50C-407E-A947-70E740481C1C}">
+                <a14:useLocalDpi xmlns:a14="http://schemas.microsoft.com/office/drawing/2010/main" val="0"/>
+              </a:ext>
+            </a:extLst>
+          </a:blip>
+          <a:srcRect l="31073" t="38913" r="21398" b="1360"/>
+          <a:stretch/>
+        </p:blipFill>
+        <p:spPr>
+          <a:xfrm>
+            <a:off x="1035698" y="1380930"/>
+            <a:ext cx="2444621" cy="4096140"/>
+          </a:xfrm>
+          <a:prstGeom prst="rect">
+            <a:avLst/>
+          </a:prstGeom>
+        </p:spPr>
+      </p:pic>
+      <p:pic>
+        <p:nvPicPr>
+          <p:cNvPr id="7" name="Picture 6">
+            <a:extLst>
+              <a:ext uri="{FF2B5EF4-FFF2-40B4-BE49-F238E27FC236}">
+                <a16:creationId xmlns:a16="http://schemas.microsoft.com/office/drawing/2014/main" id="{69514F2F-A98D-444F-B1C2-FF5D483F5EFE}"/>
+              </a:ext>
+            </a:extLst>
+          </p:cNvPr>
+          <p:cNvPicPr>
+            <a:picLocks noChangeAspect="1"/>
+          </p:cNvPicPr>
+          <p:nvPr/>
+        </p:nvPicPr>
+        <p:blipFill rotWithShape="1">
+          <a:blip r:embed="rId3">
+            <a:extLst>
+              <a:ext uri="{28A0092B-C50C-407E-A947-70E740481C1C}">
+                <a14:useLocalDpi xmlns:a14="http://schemas.microsoft.com/office/drawing/2010/main" val="0"/>
+              </a:ext>
+            </a:extLst>
+          </a:blip>
+          <a:srcRect l="32683" t="20976" r="30122" b="10243"/>
+          <a:stretch/>
+        </p:blipFill>
+        <p:spPr>
+          <a:xfrm>
+            <a:off x="5384422" y="2280908"/>
+            <a:ext cx="1642187" cy="2277522"/>
+          </a:xfrm>
+          <a:prstGeom prst="rect">
+            <a:avLst/>
+          </a:prstGeom>
+        </p:spPr>
+      </p:pic>
+      <p:pic>
+        <p:nvPicPr>
+          <p:cNvPr id="9" name="Picture 8" descr="A picture containing person, wall, indoor, person&#10;&#10;Description automatically generated">
+            <a:extLst>
+              <a:ext uri="{FF2B5EF4-FFF2-40B4-BE49-F238E27FC236}">
+                <a16:creationId xmlns:a16="http://schemas.microsoft.com/office/drawing/2014/main" id="{F560F62A-8902-4B69-90A3-9BCC728D54C8}"/>
+              </a:ext>
+            </a:extLst>
+          </p:cNvPr>
+          <p:cNvPicPr>
+            <a:picLocks noChangeAspect="1"/>
+          </p:cNvPicPr>
+          <p:nvPr/>
+        </p:nvPicPr>
+        <p:blipFill rotWithShape="1">
+          <a:blip r:embed="rId4">
+            <a:extLst>
+              <a:ext uri="{28A0092B-C50C-407E-A947-70E740481C1C}">
+                <a14:useLocalDpi xmlns:a14="http://schemas.microsoft.com/office/drawing/2010/main" val="0"/>
+              </a:ext>
+            </a:extLst>
+          </a:blip>
+          <a:srcRect l="24349" t="54347" r="20313" b="2075"/>
+          <a:stretch/>
+        </p:blipFill>
+        <p:spPr>
+          <a:xfrm>
+            <a:off x="5354451" y="327584"/>
+            <a:ext cx="1642188" cy="1724297"/>
+          </a:xfrm>
+          <a:prstGeom prst="rect">
+            <a:avLst/>
+          </a:prstGeom>
+        </p:spPr>
+      </p:pic>
+      <p:pic>
+        <p:nvPicPr>
+          <p:cNvPr id="11" name="Picture 10" descr="A picture containing person, indoor, person&#10;&#10;Description automatically generated">
+            <a:extLst>
+              <a:ext uri="{FF2B5EF4-FFF2-40B4-BE49-F238E27FC236}">
+                <a16:creationId xmlns:a16="http://schemas.microsoft.com/office/drawing/2014/main" id="{3A5A24FB-064D-4733-980B-E9D4C82E6BF2}"/>
+              </a:ext>
+            </a:extLst>
+          </p:cNvPr>
+          <p:cNvPicPr>
+            <a:picLocks noChangeAspect="1"/>
+          </p:cNvPicPr>
+          <p:nvPr/>
+        </p:nvPicPr>
+        <p:blipFill rotWithShape="1">
+          <a:blip r:embed="rId5">
+            <a:extLst>
+              <a:ext uri="{28A0092B-C50C-407E-A947-70E740481C1C}">
+                <a14:useLocalDpi xmlns:a14="http://schemas.microsoft.com/office/drawing/2010/main" val="0"/>
+              </a:ext>
+            </a:extLst>
+          </a:blip>
+          <a:srcRect l="29966" t="44218" r="32041"/>
+          <a:stretch/>
+        </p:blipFill>
+        <p:spPr>
+          <a:xfrm>
+            <a:off x="5324668" y="4787457"/>
+            <a:ext cx="1761693" cy="1939914"/>
+          </a:xfrm>
+          <a:prstGeom prst="rect">
+            <a:avLst/>
+          </a:prstGeom>
+        </p:spPr>
+      </p:pic>
+      <p:sp>
+        <p:nvSpPr>
+          <p:cNvPr id="12" name="TextBox 11">
+            <a:extLst>
+              <a:ext uri="{FF2B5EF4-FFF2-40B4-BE49-F238E27FC236}">
+                <a16:creationId xmlns:a16="http://schemas.microsoft.com/office/drawing/2014/main" id="{E45EA112-B2AB-4EF6-BAA6-46134DC511CA}"/>
+              </a:ext>
+            </a:extLst>
+          </p:cNvPr>
+          <p:cNvSpPr txBox="1"/>
+          <p:nvPr/>
+        </p:nvSpPr>
+        <p:spPr>
+          <a:xfrm>
+            <a:off x="1435360" y="5572748"/>
+            <a:ext cx="1978089" cy="369332"/>
+          </a:xfrm>
+          <a:prstGeom prst="rect">
+            <a:avLst/>
+          </a:prstGeom>
+          <a:noFill/>
+        </p:spPr>
+        <p:txBody>
+          <a:bodyPr wrap="square" rtlCol="0">
+            <a:spAutoFit/>
+          </a:bodyPr>
+          <a:lstStyle/>
+          <a:p>
+            <a:r>
+              <a:rPr lang="en-US" dirty="0"/>
+              <a:t>Starting gesture</a:t>
+            </a:r>
+            <a:endParaRPr lang="en-SG" dirty="0"/>
+          </a:p>
+        </p:txBody>
+      </p:sp>
+      <p:sp>
+        <p:nvSpPr>
+          <p:cNvPr id="13" name="TextBox 12">
+            <a:extLst>
+              <a:ext uri="{FF2B5EF4-FFF2-40B4-BE49-F238E27FC236}">
+                <a16:creationId xmlns:a16="http://schemas.microsoft.com/office/drawing/2014/main" id="{6A386A99-CC0C-43A1-AA1C-3B45632E7096}"/>
+              </a:ext>
+            </a:extLst>
+          </p:cNvPr>
+          <p:cNvSpPr txBox="1"/>
+          <p:nvPr/>
+        </p:nvSpPr>
+        <p:spPr>
+          <a:xfrm>
+            <a:off x="7644881" y="734599"/>
+            <a:ext cx="1474237" cy="369332"/>
+          </a:xfrm>
+          <a:prstGeom prst="rect">
+            <a:avLst/>
+          </a:prstGeom>
+          <a:noFill/>
+        </p:spPr>
+        <p:txBody>
+          <a:bodyPr wrap="square" rtlCol="0">
+            <a:spAutoFit/>
+          </a:bodyPr>
+          <a:lstStyle/>
+          <a:p>
+            <a:r>
+              <a:rPr lang="en-US" dirty="0"/>
+              <a:t>Gesture A</a:t>
+            </a:r>
+            <a:endParaRPr lang="en-SG" dirty="0"/>
+          </a:p>
+        </p:txBody>
+      </p:sp>
+      <p:sp>
+        <p:nvSpPr>
+          <p:cNvPr id="14" name="TextBox 13">
+            <a:extLst>
+              <a:ext uri="{FF2B5EF4-FFF2-40B4-BE49-F238E27FC236}">
+                <a16:creationId xmlns:a16="http://schemas.microsoft.com/office/drawing/2014/main" id="{D977E9F9-B9DC-4437-A5EA-08D62A75C6C3}"/>
+              </a:ext>
+            </a:extLst>
+          </p:cNvPr>
+          <p:cNvSpPr txBox="1"/>
+          <p:nvPr/>
+        </p:nvSpPr>
+        <p:spPr>
+          <a:xfrm>
+            <a:off x="7644880" y="2616108"/>
+            <a:ext cx="1474237" cy="369332"/>
+          </a:xfrm>
+          <a:prstGeom prst="rect">
+            <a:avLst/>
+          </a:prstGeom>
+          <a:noFill/>
+        </p:spPr>
+        <p:txBody>
+          <a:bodyPr wrap="square" rtlCol="0">
+            <a:spAutoFit/>
+          </a:bodyPr>
+          <a:lstStyle/>
+          <a:p>
+            <a:r>
+              <a:rPr lang="en-US" dirty="0"/>
+              <a:t>Gesture B</a:t>
+            </a:r>
+            <a:endParaRPr lang="en-SG" dirty="0"/>
+          </a:p>
+        </p:txBody>
+      </p:sp>
+      <p:sp>
+        <p:nvSpPr>
+          <p:cNvPr id="15" name="TextBox 14">
+            <a:extLst>
+              <a:ext uri="{FF2B5EF4-FFF2-40B4-BE49-F238E27FC236}">
+                <a16:creationId xmlns:a16="http://schemas.microsoft.com/office/drawing/2014/main" id="{5F28EF63-D392-4D73-BC07-FEB8304041FF}"/>
+              </a:ext>
+            </a:extLst>
+          </p:cNvPr>
+          <p:cNvSpPr txBox="1"/>
+          <p:nvPr/>
+        </p:nvSpPr>
+        <p:spPr>
+          <a:xfrm>
+            <a:off x="7644881" y="5256671"/>
+            <a:ext cx="1474237" cy="369332"/>
+          </a:xfrm>
+          <a:prstGeom prst="rect">
+            <a:avLst/>
+          </a:prstGeom>
+          <a:noFill/>
+        </p:spPr>
+        <p:txBody>
+          <a:bodyPr wrap="square" rtlCol="0">
+            <a:spAutoFit/>
+          </a:bodyPr>
+          <a:lstStyle/>
+          <a:p>
+            <a:r>
+              <a:rPr lang="en-US" dirty="0"/>
+              <a:t>Gesture C</a:t>
+            </a:r>
+            <a:endParaRPr lang="en-SG" dirty="0"/>
+          </a:p>
+        </p:txBody>
+      </p:sp>
+      <p:cxnSp>
+        <p:nvCxnSpPr>
+          <p:cNvPr id="17" name="Straight Arrow Connector 16">
+            <a:extLst>
+              <a:ext uri="{FF2B5EF4-FFF2-40B4-BE49-F238E27FC236}">
+                <a16:creationId xmlns:a16="http://schemas.microsoft.com/office/drawing/2014/main" id="{F60A7C08-82BB-4C31-951C-C8702B6C883C}"/>
+              </a:ext>
+            </a:extLst>
+          </p:cNvPr>
+          <p:cNvCxnSpPr>
+            <a:stCxn id="5" idx="3"/>
+            <a:endCxn id="9" idx="1"/>
+          </p:cNvCxnSpPr>
+          <p:nvPr/>
+        </p:nvCxnSpPr>
+        <p:spPr>
+          <a:xfrm flipV="1">
+            <a:off x="3480319" y="1189733"/>
+            <a:ext cx="1874132" cy="2239267"/>
+          </a:xfrm>
+          <a:prstGeom prst="straightConnector1">
+            <a:avLst/>
+          </a:prstGeom>
+          <a:ln>
+            <a:tailEnd type="triangle"/>
+          </a:ln>
+        </p:spPr>
+        <p:style>
+          <a:lnRef idx="1">
+            <a:schemeClr val="accent1"/>
+          </a:lnRef>
+          <a:fillRef idx="0">
+            <a:schemeClr val="accent1"/>
+          </a:fillRef>
+          <a:effectRef idx="0">
+            <a:schemeClr val="accent1"/>
+          </a:effectRef>
+          <a:fontRef idx="minor">
+            <a:schemeClr val="tx1"/>
+          </a:fontRef>
+        </p:style>
+      </p:cxnSp>
+      <p:cxnSp>
+        <p:nvCxnSpPr>
+          <p:cNvPr id="18" name="Straight Arrow Connector 17">
+            <a:extLst>
+              <a:ext uri="{FF2B5EF4-FFF2-40B4-BE49-F238E27FC236}">
+                <a16:creationId xmlns:a16="http://schemas.microsoft.com/office/drawing/2014/main" id="{1E0E92A8-5BE8-42A7-B516-A8F665BB8879}"/>
+              </a:ext>
+            </a:extLst>
+          </p:cNvPr>
+          <p:cNvCxnSpPr>
+            <a:cxnSpLocks/>
+            <a:stCxn id="5" idx="3"/>
+            <a:endCxn id="7" idx="1"/>
+          </p:cNvCxnSpPr>
+          <p:nvPr/>
+        </p:nvCxnSpPr>
+        <p:spPr>
+          <a:xfrm flipV="1">
+            <a:off x="3480319" y="3419669"/>
+            <a:ext cx="1904103" cy="9331"/>
+          </a:xfrm>
+          <a:prstGeom prst="straightConnector1">
+            <a:avLst/>
+          </a:prstGeom>
+          <a:ln>
+            <a:tailEnd type="triangle"/>
+          </a:ln>
+        </p:spPr>
+        <p:style>
+          <a:lnRef idx="1">
+            <a:schemeClr val="accent1"/>
+          </a:lnRef>
+          <a:fillRef idx="0">
+            <a:schemeClr val="accent1"/>
+          </a:fillRef>
+          <a:effectRef idx="0">
+            <a:schemeClr val="accent1"/>
+          </a:effectRef>
+          <a:fontRef idx="minor">
+            <a:schemeClr val="tx1"/>
+          </a:fontRef>
+        </p:style>
+      </p:cxnSp>
+      <p:cxnSp>
+        <p:nvCxnSpPr>
+          <p:cNvPr id="21" name="Straight Arrow Connector 20">
+            <a:extLst>
+              <a:ext uri="{FF2B5EF4-FFF2-40B4-BE49-F238E27FC236}">
+                <a16:creationId xmlns:a16="http://schemas.microsoft.com/office/drawing/2014/main" id="{19C7E8D2-6789-4F82-9F79-84F3226AC86D}"/>
+              </a:ext>
+            </a:extLst>
+          </p:cNvPr>
+          <p:cNvCxnSpPr>
+            <a:cxnSpLocks/>
+            <a:stCxn id="5" idx="3"/>
+            <a:endCxn id="11" idx="1"/>
+          </p:cNvCxnSpPr>
+          <p:nvPr/>
+        </p:nvCxnSpPr>
+        <p:spPr>
+          <a:xfrm>
+            <a:off x="3480319" y="3429000"/>
+            <a:ext cx="1844349" cy="2328414"/>
+          </a:xfrm>
+          <a:prstGeom prst="straightConnector1">
+            <a:avLst/>
+          </a:prstGeom>
+          <a:ln>
+            <a:tailEnd type="triangle"/>
+          </a:ln>
+        </p:spPr>
+        <p:style>
+          <a:lnRef idx="1">
+            <a:schemeClr val="accent1"/>
+          </a:lnRef>
+          <a:fillRef idx="0">
+            <a:schemeClr val="accent1"/>
+          </a:fillRef>
+          <a:effectRef idx="0">
+            <a:schemeClr val="accent1"/>
+          </a:effectRef>
+          <a:fontRef idx="minor">
+            <a:schemeClr val="tx1"/>
+          </a:fontRef>
+        </p:style>
+      </p:cxnSp>
+      <p:pic>
+        <p:nvPicPr>
+          <p:cNvPr id="24" name="Picture 23">
+            <a:extLst>
+              <a:ext uri="{FF2B5EF4-FFF2-40B4-BE49-F238E27FC236}">
+                <a16:creationId xmlns:a16="http://schemas.microsoft.com/office/drawing/2014/main" id="{EF41DD88-73FA-48BC-B503-F19EE0E572EC}"/>
+              </a:ext>
+            </a:extLst>
+          </p:cNvPr>
+          <p:cNvPicPr>
+            <a:picLocks noChangeAspect="1"/>
+          </p:cNvPicPr>
+          <p:nvPr/>
+        </p:nvPicPr>
+        <p:blipFill>
+          <a:blip r:embed="rId6"/>
+          <a:stretch>
+            <a:fillRect/>
+          </a:stretch>
+        </p:blipFill>
+        <p:spPr>
+          <a:xfrm>
+            <a:off x="8828363" y="92544"/>
+            <a:ext cx="3016723" cy="2278905"/>
+          </a:xfrm>
+          <a:prstGeom prst="rect">
+            <a:avLst/>
+          </a:prstGeom>
+        </p:spPr>
+      </p:pic>
+      <p:pic>
+        <p:nvPicPr>
+          <p:cNvPr id="25" name="Picture 24">
+            <a:extLst>
+              <a:ext uri="{FF2B5EF4-FFF2-40B4-BE49-F238E27FC236}">
+                <a16:creationId xmlns:a16="http://schemas.microsoft.com/office/drawing/2014/main" id="{80F9481A-926A-437D-87E3-60DEECDBBA88}"/>
+              </a:ext>
+            </a:extLst>
+          </p:cNvPr>
+          <p:cNvPicPr>
+            <a:picLocks noChangeAspect="1"/>
+          </p:cNvPicPr>
+          <p:nvPr/>
+        </p:nvPicPr>
+        <p:blipFill>
+          <a:blip r:embed="rId7"/>
+          <a:stretch>
+            <a:fillRect/>
+          </a:stretch>
+        </p:blipFill>
+        <p:spPr>
+          <a:xfrm>
+            <a:off x="8828363" y="2371449"/>
+            <a:ext cx="2960673" cy="2328414"/>
+          </a:xfrm>
+          <a:prstGeom prst="rect">
+            <a:avLst/>
+          </a:prstGeom>
+        </p:spPr>
+      </p:pic>
+      <p:pic>
+        <p:nvPicPr>
+          <p:cNvPr id="26" name="Picture 25">
+            <a:extLst>
+              <a:ext uri="{FF2B5EF4-FFF2-40B4-BE49-F238E27FC236}">
+                <a16:creationId xmlns:a16="http://schemas.microsoft.com/office/drawing/2014/main" id="{07F1F83C-7C17-4596-8665-7D543CB4A384}"/>
+              </a:ext>
+            </a:extLst>
+          </p:cNvPr>
+          <p:cNvPicPr>
+            <a:picLocks noChangeAspect="1"/>
+          </p:cNvPicPr>
+          <p:nvPr/>
+        </p:nvPicPr>
+        <p:blipFill>
+          <a:blip r:embed="rId8"/>
+          <a:stretch>
+            <a:fillRect/>
+          </a:stretch>
+        </p:blipFill>
+        <p:spPr>
+          <a:xfrm>
+            <a:off x="8735040" y="4656792"/>
+            <a:ext cx="2890360" cy="2238267"/>
+          </a:xfrm>
+          <a:prstGeom prst="rect">
+            <a:avLst/>
+          </a:prstGeom>
+        </p:spPr>
+      </p:pic>
+    </p:spTree>
+    <p:extLst>
+      <p:ext uri="{BB962C8B-B14F-4D97-AF65-F5344CB8AC3E}">
+        <p14:creationId xmlns:p14="http://schemas.microsoft.com/office/powerpoint/2010/main" val="3345862478"/>
+      </p:ext>
+    </p:extLst>
+  </p:cSld>
+  <p:clrMapOvr>
+    <a:masterClrMapping/>
+  </p:clrMapOvr>
+</p:sld>
+</file>
+
 <file path=ppt/theme/theme1.xml><?xml version="1.0" encoding="utf-8"?>
 <a:theme xmlns:a="http://schemas.openxmlformats.org/drawingml/2006/main" name="Office Theme">
   <a:themeElements>
